--- a/Coin Master Presentation.pptx
+++ b/Coin Master Presentation.pptx
@@ -5,7 +5,7 @@
     <p:sldMasterId id="2147483672" r:id="rId1"/>
   </p:sldMasterIdLst>
   <p:notesMasterIdLst>
-    <p:notesMasterId r:id="rId16"/>
+    <p:notesMasterId r:id="rId17"/>
   </p:notesMasterIdLst>
   <p:sldIdLst>
     <p:sldId id="256" r:id="rId2"/>
@@ -20,8 +20,9 @@
     <p:sldId id="265" r:id="rId11"/>
     <p:sldId id="264" r:id="rId12"/>
     <p:sldId id="266" r:id="rId13"/>
-    <p:sldId id="267" r:id="rId14"/>
-    <p:sldId id="268" r:id="rId15"/>
+    <p:sldId id="270" r:id="rId14"/>
+    <p:sldId id="267" r:id="rId15"/>
+    <p:sldId id="268" r:id="rId16"/>
   </p:sldIdLst>
   <p:sldSz cx="12192000" cy="6858000"/>
   <p:notesSz cx="6858000" cy="9144000"/>
@@ -120,6 +121,11 @@
       </a:defRPr>
     </a:lvl9pPr>
   </p:defaultTextStyle>
+  <p:extLst>
+    <p:ext uri="{EFAFB233-063F-42B5-8137-9DF3F51BA10A}">
+      <p15:sldGuideLst xmlns:p15="http://schemas.microsoft.com/office/powerpoint/2012/main"/>
+    </p:ext>
+  </p:extLst>
 </p:presentation>
 </file>
 
@@ -286,7 +292,7 @@
           <a:p>
             <a:fld id="{9D6815AA-B199-4A3A-BD29-8A5401239AAC}" type="datetimeFigureOut">
               <a:rPr lang="en-ID" smtClean="0"/>
-              <a:t>12/06/2025</a:t>
+              <a:t>13/06/2025</a:t>
             </a:fld>
             <a:endParaRPr lang="en-ID"/>
           </a:p>
@@ -769,7 +775,7 @@
           <a:p>
             <a:fld id="{A71AB795-F256-4BB3-8781-E24D2F82361C}" type="datetimeFigureOut">
               <a:rPr lang="en-ID" smtClean="0"/>
-              <a:t>12/06/2025</a:t>
+              <a:t>13/06/2025</a:t>
             </a:fld>
             <a:endParaRPr lang="en-ID"/>
           </a:p>
@@ -939,7 +945,7 @@
           <a:p>
             <a:fld id="{A71AB795-F256-4BB3-8781-E24D2F82361C}" type="datetimeFigureOut">
               <a:rPr lang="en-ID" smtClean="0"/>
-              <a:t>12/06/2025</a:t>
+              <a:t>13/06/2025</a:t>
             </a:fld>
             <a:endParaRPr lang="en-ID"/>
           </a:p>
@@ -1119,7 +1125,7 @@
           <a:p>
             <a:fld id="{A71AB795-F256-4BB3-8781-E24D2F82361C}" type="datetimeFigureOut">
               <a:rPr lang="en-ID" smtClean="0"/>
-              <a:t>12/06/2025</a:t>
+              <a:t>13/06/2025</a:t>
             </a:fld>
             <a:endParaRPr lang="en-ID"/>
           </a:p>
@@ -1289,7 +1295,7 @@
           <a:p>
             <a:fld id="{A71AB795-F256-4BB3-8781-E24D2F82361C}" type="datetimeFigureOut">
               <a:rPr lang="en-ID" smtClean="0"/>
-              <a:t>12/06/2025</a:t>
+              <a:t>13/06/2025</a:t>
             </a:fld>
             <a:endParaRPr lang="en-ID"/>
           </a:p>
@@ -1535,7 +1541,7 @@
           <a:p>
             <a:fld id="{A71AB795-F256-4BB3-8781-E24D2F82361C}" type="datetimeFigureOut">
               <a:rPr lang="en-ID" smtClean="0"/>
-              <a:t>12/06/2025</a:t>
+              <a:t>13/06/2025</a:t>
             </a:fld>
             <a:endParaRPr lang="en-ID"/>
           </a:p>
@@ -1767,7 +1773,7 @@
           <a:p>
             <a:fld id="{A71AB795-F256-4BB3-8781-E24D2F82361C}" type="datetimeFigureOut">
               <a:rPr lang="en-ID" smtClean="0"/>
-              <a:t>12/06/2025</a:t>
+              <a:t>13/06/2025</a:t>
             </a:fld>
             <a:endParaRPr lang="en-ID"/>
           </a:p>
@@ -2134,7 +2140,7 @@
           <a:p>
             <a:fld id="{A71AB795-F256-4BB3-8781-E24D2F82361C}" type="datetimeFigureOut">
               <a:rPr lang="en-ID" smtClean="0"/>
-              <a:t>12/06/2025</a:t>
+              <a:t>13/06/2025</a:t>
             </a:fld>
             <a:endParaRPr lang="en-ID"/>
           </a:p>
@@ -2252,7 +2258,7 @@
           <a:p>
             <a:fld id="{A71AB795-F256-4BB3-8781-E24D2F82361C}" type="datetimeFigureOut">
               <a:rPr lang="en-ID" smtClean="0"/>
-              <a:t>12/06/2025</a:t>
+              <a:t>13/06/2025</a:t>
             </a:fld>
             <a:endParaRPr lang="en-ID"/>
           </a:p>
@@ -2347,7 +2353,7 @@
           <a:p>
             <a:fld id="{A71AB795-F256-4BB3-8781-E24D2F82361C}" type="datetimeFigureOut">
               <a:rPr lang="en-ID" smtClean="0"/>
-              <a:t>12/06/2025</a:t>
+              <a:t>13/06/2025</a:t>
             </a:fld>
             <a:endParaRPr lang="en-ID"/>
           </a:p>
@@ -2624,7 +2630,7 @@
           <a:p>
             <a:fld id="{A71AB795-F256-4BB3-8781-E24D2F82361C}" type="datetimeFigureOut">
               <a:rPr lang="en-ID" smtClean="0"/>
-              <a:t>12/06/2025</a:t>
+              <a:t>13/06/2025</a:t>
             </a:fld>
             <a:endParaRPr lang="en-ID"/>
           </a:p>
@@ -2881,7 +2887,7 @@
           <a:p>
             <a:fld id="{A71AB795-F256-4BB3-8781-E24D2F82361C}" type="datetimeFigureOut">
               <a:rPr lang="en-ID" smtClean="0"/>
-              <a:t>12/06/2025</a:t>
+              <a:t>13/06/2025</a:t>
             </a:fld>
             <a:endParaRPr lang="en-ID"/>
           </a:p>
@@ -3094,7 +3100,7 @@
           <a:p>
             <a:fld id="{A71AB795-F256-4BB3-8781-E24D2F82361C}" type="datetimeFigureOut">
               <a:rPr lang="en-ID" smtClean="0"/>
-              <a:t>12/06/2025</a:t>
+              <a:t>13/06/2025</a:t>
             </a:fld>
             <a:endParaRPr lang="en-ID"/>
           </a:p>
@@ -4063,6 +4069,165 @@
   <p:cSld>
     <p:spTree>
       <p:nvGrpSpPr>
+        <p:cNvPr id="1" name="">
+          <a:extLst>
+            <a:ext uri="{FF2B5EF4-FFF2-40B4-BE49-F238E27FC236}">
+              <a16:creationId xmlns:a16="http://schemas.microsoft.com/office/drawing/2014/main" id="{02C2EE27-6C05-1D76-75BF-CAD783A80F98}"/>
+            </a:ext>
+          </a:extLst>
+        </p:cNvPr>
+        <p:cNvGrpSpPr/>
+        <p:nvPr/>
+      </p:nvGrpSpPr>
+      <p:grpSpPr>
+        <a:xfrm>
+          <a:off x="0" y="0"/>
+          <a:ext cx="0" cy="0"/>
+          <a:chOff x="0" y="0"/>
+          <a:chExt cx="0" cy="0"/>
+        </a:xfrm>
+      </p:grpSpPr>
+      <p:sp>
+        <p:nvSpPr>
+          <p:cNvPr id="4" name="TextBox 3">
+            <a:extLst>
+              <a:ext uri="{FF2B5EF4-FFF2-40B4-BE49-F238E27FC236}">
+                <a16:creationId xmlns:a16="http://schemas.microsoft.com/office/drawing/2014/main" id="{E53FB9B5-3192-CB46-F28A-6F703A65B5AD}"/>
+              </a:ext>
+            </a:extLst>
+          </p:cNvPr>
+          <p:cNvSpPr txBox="1"/>
+          <p:nvPr/>
+        </p:nvSpPr>
+        <p:spPr>
+          <a:xfrm>
+            <a:off x="323099" y="250176"/>
+            <a:ext cx="3161378" cy="830997"/>
+          </a:xfrm>
+          <a:prstGeom prst="rect">
+            <a:avLst/>
+          </a:prstGeom>
+          <a:noFill/>
+        </p:spPr>
+        <p:txBody>
+          <a:bodyPr wrap="none" rtlCol="0">
+            <a:spAutoFit/>
+          </a:bodyPr>
+          <a:lstStyle/>
+          <a:p>
+            <a:r>
+              <a:rPr lang="en-US" sz="4800" b="1" dirty="0">
+                <a:latin typeface="Arial Rounded MT Bold" panose="020F0704030504030204" pitchFamily="34" charset="0"/>
+              </a:rPr>
+              <a:t>Flowchart</a:t>
+            </a:r>
+            <a:endParaRPr lang="en-ID" sz="4800" b="1" dirty="0">
+              <a:latin typeface="Arial Rounded MT Bold" panose="020F0704030504030204" pitchFamily="34" charset="0"/>
+            </a:endParaRPr>
+          </a:p>
+        </p:txBody>
+      </p:sp>
+      <p:pic>
+        <p:nvPicPr>
+          <p:cNvPr id="2" name="Picture 4" descr="Draw.io Logo PNG Vector (SVG) Free Download">
+            <a:extLst>
+              <a:ext uri="{FF2B5EF4-FFF2-40B4-BE49-F238E27FC236}">
+                <a16:creationId xmlns:a16="http://schemas.microsoft.com/office/drawing/2014/main" id="{0B5F96A0-BB3B-9BB8-C4AF-9FFE213E24EF}"/>
+              </a:ext>
+            </a:extLst>
+          </p:cNvPr>
+          <p:cNvPicPr>
+            <a:picLocks noChangeAspect="1" noChangeArrowheads="1"/>
+          </p:cNvPicPr>
+          <p:nvPr/>
+        </p:nvPicPr>
+        <p:blipFill>
+          <a:blip r:embed="rId2">
+            <a:extLst>
+              <a:ext uri="{28A0092B-C50C-407E-A947-70E740481C1C}">
+                <a14:useLocalDpi xmlns:a14="http://schemas.microsoft.com/office/drawing/2010/main" val="0"/>
+              </a:ext>
+            </a:extLst>
+          </a:blip>
+          <a:srcRect/>
+          <a:stretch>
+            <a:fillRect/>
+          </a:stretch>
+        </p:blipFill>
+        <p:spPr bwMode="auto">
+          <a:xfrm>
+            <a:off x="9825038" y="460905"/>
+            <a:ext cx="1850495" cy="1850495"/>
+          </a:xfrm>
+          <a:prstGeom prst="rect">
+            <a:avLst/>
+          </a:prstGeom>
+          <a:noFill/>
+          <a:extLst>
+            <a:ext uri="{909E8E84-426E-40DD-AFC4-6F175D3DCCD1}">
+              <a14:hiddenFill xmlns:a14="http://schemas.microsoft.com/office/drawing/2010/main">
+                <a:solidFill>
+                  <a:srgbClr val="FFFFFF"/>
+                </a:solidFill>
+              </a14:hiddenFill>
+            </a:ext>
+          </a:extLst>
+        </p:spPr>
+      </p:pic>
+      <p:pic>
+        <p:nvPicPr>
+          <p:cNvPr id="5" name="Picture 4" descr="A diagram of a flowchart&#10;&#10;AI-generated content may be incorrect.">
+            <a:extLst>
+              <a:ext uri="{FF2B5EF4-FFF2-40B4-BE49-F238E27FC236}">
+                <a16:creationId xmlns:a16="http://schemas.microsoft.com/office/drawing/2014/main" id="{F4F0BD94-168C-880C-DDB7-F3C9A37C6EE6}"/>
+              </a:ext>
+            </a:extLst>
+          </p:cNvPr>
+          <p:cNvPicPr>
+            <a:picLocks noChangeAspect="1"/>
+          </p:cNvPicPr>
+          <p:nvPr/>
+        </p:nvPicPr>
+        <p:blipFill>
+          <a:blip r:embed="rId3">
+            <a:extLst>
+              <a:ext uri="{28A0092B-C50C-407E-A947-70E740481C1C}">
+                <a14:useLocalDpi xmlns:a14="http://schemas.microsoft.com/office/drawing/2010/main" val="0"/>
+              </a:ext>
+            </a:extLst>
+          </a:blip>
+          <a:stretch>
+            <a:fillRect/>
+          </a:stretch>
+        </p:blipFill>
+        <p:spPr>
+          <a:xfrm>
+            <a:off x="3830020" y="308097"/>
+            <a:ext cx="4877505" cy="6241806"/>
+          </a:xfrm>
+          <a:prstGeom prst="rect">
+            <a:avLst/>
+          </a:prstGeom>
+        </p:spPr>
+      </p:pic>
+    </p:spTree>
+    <p:extLst>
+      <p:ext uri="{BB962C8B-B14F-4D97-AF65-F5344CB8AC3E}">
+        <p14:creationId xmlns:p14="http://schemas.microsoft.com/office/powerpoint/2010/main" val="2777867689"/>
+      </p:ext>
+    </p:extLst>
+  </p:cSld>
+  <p:clrMapOvr>
+    <a:masterClrMapping/>
+  </p:clrMapOvr>
+</p:sld>
+</file>
+
+<file path=ppt/slides/slide14.xml><?xml version="1.0" encoding="utf-8"?>
+<p:sld xmlns:a="http://schemas.openxmlformats.org/drawingml/2006/main" xmlns:r="http://schemas.openxmlformats.org/officeDocument/2006/relationships" xmlns:p="http://schemas.openxmlformats.org/presentationml/2006/main">
+  <p:cSld>
+    <p:spTree>
+      <p:nvGrpSpPr>
         <p:cNvPr id="1" name=""/>
         <p:cNvGrpSpPr/>
         <p:nvPr/>
@@ -4557,7 +4722,7 @@
 </p:sld>
 </file>
 
-<file path=ppt/slides/slide14.xml><?xml version="1.0" encoding="utf-8"?>
+<file path=ppt/slides/slide15.xml><?xml version="1.0" encoding="utf-8"?>
 <p:sld xmlns:a="http://schemas.openxmlformats.org/drawingml/2006/main" xmlns:r="http://schemas.openxmlformats.org/officeDocument/2006/relationships" xmlns:p="http://schemas.openxmlformats.org/presentationml/2006/main">
   <p:cSld>
     <p:spTree>
@@ -6926,8 +7091,8 @@
           </a:extLst>
         </p:spPr>
       </p:pic>
-      <mc:AlternateContent xmlns:mc="http://schemas.openxmlformats.org/markup-compatibility/2006">
-        <mc:Choice xmlns:p14="http://schemas.microsoft.com/office/powerpoint/2010/main" Requires="p14">
+      <mc:AlternateContent xmlns:mc="http://schemas.openxmlformats.org/markup-compatibility/2006" xmlns:p14="http://schemas.microsoft.com/office/powerpoint/2010/main">
+        <mc:Choice Requires="p14">
           <p:contentPart p14:bwMode="auto" r:id="rId3">
             <p14:nvContentPartPr>
               <p14:cNvPr id="3" name="Ink 2">
@@ -6946,7 +7111,7 @@
             </p14:xfrm>
           </p:contentPart>
         </mc:Choice>
-        <mc:Fallback>
+        <mc:Fallback xmlns="">
           <p:pic>
             <p:nvPicPr>
               <p:cNvPr id="3" name="Ink 2">
@@ -6977,8 +7142,8 @@
           </p:pic>
         </mc:Fallback>
       </mc:AlternateContent>
-      <mc:AlternateContent xmlns:mc="http://schemas.openxmlformats.org/markup-compatibility/2006">
-        <mc:Choice xmlns:p14="http://schemas.microsoft.com/office/powerpoint/2010/main" Requires="p14">
+      <mc:AlternateContent xmlns:mc="http://schemas.openxmlformats.org/markup-compatibility/2006" xmlns:p14="http://schemas.microsoft.com/office/powerpoint/2010/main">
+        <mc:Choice Requires="p14">
           <p:contentPart p14:bwMode="auto" r:id="rId5">
             <p14:nvContentPartPr>
               <p14:cNvPr id="5" name="Ink 4">
@@ -6997,7 +7162,7 @@
             </p14:xfrm>
           </p:contentPart>
         </mc:Choice>
-        <mc:Fallback>
+        <mc:Fallback xmlns="">
           <p:pic>
             <p:nvPicPr>
               <p:cNvPr id="5" name="Ink 4">
@@ -7028,8 +7193,8 @@
           </p:pic>
         </mc:Fallback>
       </mc:AlternateContent>
-      <mc:AlternateContent xmlns:mc="http://schemas.openxmlformats.org/markup-compatibility/2006">
-        <mc:Choice xmlns:p14="http://schemas.microsoft.com/office/powerpoint/2010/main" Requires="p14">
+      <mc:AlternateContent xmlns:mc="http://schemas.openxmlformats.org/markup-compatibility/2006" xmlns:p14="http://schemas.microsoft.com/office/powerpoint/2010/main">
+        <mc:Choice Requires="p14">
           <p:contentPart p14:bwMode="auto" r:id="rId7">
             <p14:nvContentPartPr>
               <p14:cNvPr id="11" name="Ink 10">
@@ -7048,7 +7213,7 @@
             </p14:xfrm>
           </p:contentPart>
         </mc:Choice>
-        <mc:Fallback>
+        <mc:Fallback xmlns="">
           <p:pic>
             <p:nvPicPr>
               <p:cNvPr id="11" name="Ink 10">
